--- a/Discussion/Yerong1601Oct09.pptx
+++ b/Discussion/Yerong1601Oct09.pptx
@@ -5,11 +5,16 @@
     <p:sldMasterId id="2147483648" r:id="rId1"/>
   </p:sldMasterIdLst>
   <p:notesMasterIdLst>
-    <p:notesMasterId r:id="rId5"/>
+    <p:notesMasterId r:id="rId10"/>
   </p:notesMasterIdLst>
   <p:sldIdLst>
     <p:sldId id="261" r:id="rId3"/>
     <p:sldId id="285" r:id="rId4"/>
+    <p:sldId id="288" r:id="rId5"/>
+    <p:sldId id="286" r:id="rId6"/>
+    <p:sldId id="287" r:id="rId7"/>
+    <p:sldId id="289" r:id="rId8"/>
+    <p:sldId id="290" r:id="rId9"/>
   </p:sldIdLst>
   <p:sldSz cx="12192000" cy="6858000"/>
   <p:notesSz cx="6858000" cy="9144000"/>
@@ -3303,7 +3308,7 @@
       </p:sp>
       <p:pic>
         <p:nvPicPr>
-          <p:cNvPr id="4" name="Picture 3" descr="potential"/>
+          <p:cNvPr id="2" name="Picture 1" descr="potential"/>
           <p:cNvPicPr>
             <a:picLocks noChangeAspect="1"/>
           </p:cNvPicPr>
@@ -3317,8 +3322,8 @@
         </p:blipFill>
         <p:spPr>
           <a:xfrm>
-            <a:off x="436880" y="102235"/>
-            <a:ext cx="11683365" cy="5702300"/>
+            <a:off x="193040" y="199390"/>
+            <a:ext cx="11432540" cy="5448935"/>
           </a:xfrm>
           <a:prstGeom prst="rect">
             <a:avLst/>
@@ -3392,6 +3397,396 @@
           </a:p>
         </p:txBody>
       </p:sp>
+    </p:spTree>
+  </p:cSld>
+  <p:clrMapOvr>
+    <a:masterClrMapping/>
+  </p:clrMapOvr>
+</p:sld>
+</file>
+
+<file path=ppt/slides/slide3.xml><?xml version="1.0" encoding="utf-8"?>
+<p:sld xmlns:a="http://schemas.openxmlformats.org/drawingml/2006/main" xmlns:r="http://schemas.openxmlformats.org/officeDocument/2006/relationships" xmlns:p="http://schemas.openxmlformats.org/presentationml/2006/main">
+  <p:cSld>
+    <p:spTree>
+      <p:nvGrpSpPr>
+        <p:cNvPr id="1" name=""/>
+        <p:cNvGrpSpPr/>
+        <p:nvPr/>
+      </p:nvGrpSpPr>
+      <p:grpSpPr/>
+      <p:sp>
+        <p:nvSpPr>
+          <p:cNvPr id="2" name="Title 1"/>
+          <p:cNvSpPr>
+            <a:spLocks noGrp="1"/>
+          </p:cNvSpPr>
+          <p:nvPr>
+            <p:ph type="title"/>
+          </p:nvPr>
+        </p:nvSpPr>
+        <p:spPr/>
+        <p:txBody>
+          <a:bodyPr/>
+          <a:p>
+            <a:endParaRPr lang="en-US"/>
+          </a:p>
+        </p:txBody>
+      </p:sp>
+      <p:sp>
+        <p:nvSpPr>
+          <p:cNvPr id="3" name="Content Placeholder 2"/>
+          <p:cNvSpPr>
+            <a:spLocks noGrp="1"/>
+          </p:cNvSpPr>
+          <p:nvPr>
+            <p:ph idx="1"/>
+          </p:nvPr>
+        </p:nvSpPr>
+        <p:spPr/>
+        <p:txBody>
+          <a:bodyPr/>
+          <a:p>
+            <a:endParaRPr lang="en-US"/>
+          </a:p>
+        </p:txBody>
+      </p:sp>
+      <p:pic>
+        <p:nvPicPr>
+          <p:cNvPr id="4" name="Picture 3" descr="potential1"/>
+          <p:cNvPicPr>
+            <a:picLocks noChangeAspect="1"/>
+          </p:cNvPicPr>
+          <p:nvPr/>
+        </p:nvPicPr>
+        <p:blipFill>
+          <a:blip r:embed="rId1"/>
+          <a:stretch>
+            <a:fillRect/>
+          </a:stretch>
+        </p:blipFill>
+        <p:spPr>
+          <a:xfrm>
+            <a:off x="164465" y="175895"/>
+            <a:ext cx="10058400" cy="4793615"/>
+          </a:xfrm>
+          <a:prstGeom prst="rect">
+            <a:avLst/>
+          </a:prstGeom>
+        </p:spPr>
+      </p:pic>
+    </p:spTree>
+  </p:cSld>
+  <p:clrMapOvr>
+    <a:masterClrMapping/>
+  </p:clrMapOvr>
+</p:sld>
+</file>
+
+<file path=ppt/slides/slide4.xml><?xml version="1.0" encoding="utf-8"?>
+<p:sld xmlns:a="http://schemas.openxmlformats.org/drawingml/2006/main" xmlns:r="http://schemas.openxmlformats.org/officeDocument/2006/relationships" xmlns:p="http://schemas.openxmlformats.org/presentationml/2006/main">
+  <p:cSld>
+    <p:spTree>
+      <p:nvGrpSpPr>
+        <p:cNvPr id="1" name=""/>
+        <p:cNvGrpSpPr/>
+        <p:nvPr/>
+      </p:nvGrpSpPr>
+      <p:grpSpPr/>
+      <p:sp>
+        <p:nvSpPr>
+          <p:cNvPr id="2" name="Title 1"/>
+          <p:cNvSpPr>
+            <a:spLocks noGrp="1"/>
+          </p:cNvSpPr>
+          <p:nvPr>
+            <p:ph type="title"/>
+          </p:nvPr>
+        </p:nvSpPr>
+        <p:spPr/>
+        <p:txBody>
+          <a:bodyPr/>
+          <a:p>
+            <a:endParaRPr lang="en-US"/>
+          </a:p>
+        </p:txBody>
+      </p:sp>
+      <p:sp>
+        <p:nvSpPr>
+          <p:cNvPr id="3" name="Content Placeholder 2"/>
+          <p:cNvSpPr>
+            <a:spLocks noGrp="1"/>
+          </p:cNvSpPr>
+          <p:nvPr>
+            <p:ph idx="1"/>
+          </p:nvPr>
+        </p:nvSpPr>
+        <p:spPr/>
+        <p:txBody>
+          <a:bodyPr/>
+          <a:p>
+            <a:endParaRPr lang="en-US"/>
+          </a:p>
+        </p:txBody>
+      </p:sp>
+      <p:pic>
+        <p:nvPicPr>
+          <p:cNvPr id="4" name="Picture 3" descr="potential2"/>
+          <p:cNvPicPr>
+            <a:picLocks noChangeAspect="1"/>
+          </p:cNvPicPr>
+          <p:nvPr/>
+        </p:nvPicPr>
+        <p:blipFill>
+          <a:blip r:embed="rId1"/>
+          <a:stretch>
+            <a:fillRect/>
+          </a:stretch>
+        </p:blipFill>
+        <p:spPr>
+          <a:xfrm>
+            <a:off x="343535" y="608965"/>
+            <a:ext cx="10058400" cy="4793615"/>
+          </a:xfrm>
+          <a:prstGeom prst="rect">
+            <a:avLst/>
+          </a:prstGeom>
+        </p:spPr>
+      </p:pic>
+    </p:spTree>
+  </p:cSld>
+  <p:clrMapOvr>
+    <a:masterClrMapping/>
+  </p:clrMapOvr>
+</p:sld>
+</file>
+
+<file path=ppt/slides/slide5.xml><?xml version="1.0" encoding="utf-8"?>
+<p:sld xmlns:a="http://schemas.openxmlformats.org/drawingml/2006/main" xmlns:r="http://schemas.openxmlformats.org/officeDocument/2006/relationships" xmlns:p="http://schemas.openxmlformats.org/presentationml/2006/main">
+  <p:cSld>
+    <p:spTree>
+      <p:nvGrpSpPr>
+        <p:cNvPr id="1" name=""/>
+        <p:cNvGrpSpPr/>
+        <p:nvPr/>
+      </p:nvGrpSpPr>
+      <p:grpSpPr/>
+      <p:sp>
+        <p:nvSpPr>
+          <p:cNvPr id="2" name="Title 1"/>
+          <p:cNvSpPr>
+            <a:spLocks noGrp="1"/>
+          </p:cNvSpPr>
+          <p:nvPr>
+            <p:ph type="title"/>
+          </p:nvPr>
+        </p:nvSpPr>
+        <p:spPr/>
+        <p:txBody>
+          <a:bodyPr/>
+          <a:p>
+            <a:endParaRPr lang="en-US"/>
+          </a:p>
+        </p:txBody>
+      </p:sp>
+      <p:sp>
+        <p:nvSpPr>
+          <p:cNvPr id="3" name="Content Placeholder 2"/>
+          <p:cNvSpPr>
+            <a:spLocks noGrp="1"/>
+          </p:cNvSpPr>
+          <p:nvPr>
+            <p:ph idx="1"/>
+          </p:nvPr>
+        </p:nvSpPr>
+        <p:spPr/>
+        <p:txBody>
+          <a:bodyPr/>
+          <a:p>
+            <a:endParaRPr lang="en-US"/>
+          </a:p>
+        </p:txBody>
+      </p:sp>
+      <p:pic>
+        <p:nvPicPr>
+          <p:cNvPr id="4" name="Picture 3" descr="potential3"/>
+          <p:cNvPicPr>
+            <a:picLocks noChangeAspect="1"/>
+          </p:cNvPicPr>
+          <p:nvPr/>
+        </p:nvPicPr>
+        <p:blipFill>
+          <a:blip r:embed="rId1"/>
+          <a:stretch>
+            <a:fillRect/>
+          </a:stretch>
+        </p:blipFill>
+        <p:spPr>
+          <a:xfrm>
+            <a:off x="178435" y="365125"/>
+            <a:ext cx="10058400" cy="5659120"/>
+          </a:xfrm>
+          <a:prstGeom prst="rect">
+            <a:avLst/>
+          </a:prstGeom>
+        </p:spPr>
+      </p:pic>
+    </p:spTree>
+  </p:cSld>
+  <p:clrMapOvr>
+    <a:masterClrMapping/>
+  </p:clrMapOvr>
+</p:sld>
+</file>
+
+<file path=ppt/slides/slide6.xml><?xml version="1.0" encoding="utf-8"?>
+<p:sld xmlns:a="http://schemas.openxmlformats.org/drawingml/2006/main" xmlns:r="http://schemas.openxmlformats.org/officeDocument/2006/relationships" xmlns:p="http://schemas.openxmlformats.org/presentationml/2006/main">
+  <p:cSld>
+    <p:spTree>
+      <p:nvGrpSpPr>
+        <p:cNvPr id="1" name=""/>
+        <p:cNvGrpSpPr/>
+        <p:nvPr/>
+      </p:nvGrpSpPr>
+      <p:grpSpPr/>
+      <p:sp>
+        <p:nvSpPr>
+          <p:cNvPr id="2" name="Title 1"/>
+          <p:cNvSpPr>
+            <a:spLocks noGrp="1"/>
+          </p:cNvSpPr>
+          <p:nvPr>
+            <p:ph type="title"/>
+          </p:nvPr>
+        </p:nvSpPr>
+        <p:spPr/>
+        <p:txBody>
+          <a:bodyPr/>
+          <a:p>
+            <a:endParaRPr lang="en-US"/>
+          </a:p>
+        </p:txBody>
+      </p:sp>
+      <p:sp>
+        <p:nvSpPr>
+          <p:cNvPr id="3" name="Content Placeholder 2"/>
+          <p:cNvSpPr>
+            <a:spLocks noGrp="1"/>
+          </p:cNvSpPr>
+          <p:nvPr>
+            <p:ph idx="1"/>
+          </p:nvPr>
+        </p:nvSpPr>
+        <p:spPr/>
+        <p:txBody>
+          <a:bodyPr/>
+          <a:p>
+            <a:endParaRPr lang="en-US"/>
+          </a:p>
+        </p:txBody>
+      </p:sp>
+      <p:pic>
+        <p:nvPicPr>
+          <p:cNvPr id="4" name="Picture 3" descr="two_body"/>
+          <p:cNvPicPr>
+            <a:picLocks noChangeAspect="1"/>
+          </p:cNvPicPr>
+          <p:nvPr/>
+        </p:nvPicPr>
+        <p:blipFill>
+          <a:blip r:embed="rId1"/>
+          <a:stretch>
+            <a:fillRect/>
+          </a:stretch>
+        </p:blipFill>
+        <p:spPr>
+          <a:xfrm>
+            <a:off x="315595" y="556260"/>
+            <a:ext cx="11148060" cy="5313045"/>
+          </a:xfrm>
+          <a:prstGeom prst="rect">
+            <a:avLst/>
+          </a:prstGeom>
+        </p:spPr>
+      </p:pic>
+    </p:spTree>
+  </p:cSld>
+  <p:clrMapOvr>
+    <a:masterClrMapping/>
+  </p:clrMapOvr>
+</p:sld>
+</file>
+
+<file path=ppt/slides/slide7.xml><?xml version="1.0" encoding="utf-8"?>
+<p:sld xmlns:a="http://schemas.openxmlformats.org/drawingml/2006/main" xmlns:r="http://schemas.openxmlformats.org/officeDocument/2006/relationships" xmlns:p="http://schemas.openxmlformats.org/presentationml/2006/main">
+  <p:cSld>
+    <p:spTree>
+      <p:nvGrpSpPr>
+        <p:cNvPr id="1" name=""/>
+        <p:cNvGrpSpPr/>
+        <p:nvPr/>
+      </p:nvGrpSpPr>
+      <p:grpSpPr/>
+      <p:sp>
+        <p:nvSpPr>
+          <p:cNvPr id="2" name="Title 1"/>
+          <p:cNvSpPr>
+            <a:spLocks noGrp="1"/>
+          </p:cNvSpPr>
+          <p:nvPr>
+            <p:ph type="title"/>
+          </p:nvPr>
+        </p:nvSpPr>
+        <p:spPr/>
+        <p:txBody>
+          <a:bodyPr/>
+          <a:p>
+            <a:endParaRPr lang="en-US"/>
+          </a:p>
+        </p:txBody>
+      </p:sp>
+      <p:sp>
+        <p:nvSpPr>
+          <p:cNvPr id="3" name="Content Placeholder 2"/>
+          <p:cNvSpPr>
+            <a:spLocks noGrp="1"/>
+          </p:cNvSpPr>
+          <p:nvPr>
+            <p:ph idx="1"/>
+          </p:nvPr>
+        </p:nvSpPr>
+        <p:spPr/>
+        <p:txBody>
+          <a:bodyPr/>
+          <a:p>
+            <a:endParaRPr lang="en-US"/>
+          </a:p>
+        </p:txBody>
+      </p:sp>
+      <p:pic>
+        <p:nvPicPr>
+          <p:cNvPr id="4" name="Picture 3" descr="two_body2"/>
+          <p:cNvPicPr>
+            <a:picLocks noChangeAspect="1"/>
+          </p:cNvPicPr>
+          <p:nvPr/>
+        </p:nvPicPr>
+        <p:blipFill>
+          <a:blip r:embed="rId1"/>
+          <a:stretch>
+            <a:fillRect/>
+          </a:stretch>
+        </p:blipFill>
+        <p:spPr>
+          <a:xfrm>
+            <a:off x="448310" y="794385"/>
+            <a:ext cx="11295380" cy="5382895"/>
+          </a:xfrm>
+          <a:prstGeom prst="rect">
+            <a:avLst/>
+          </a:prstGeom>
+        </p:spPr>
+      </p:pic>
     </p:spTree>
   </p:cSld>
   <p:clrMapOvr>
